--- a/docs/diagrams/ParseCommandSequenceDiagrams.pptx
+++ b/docs/diagrams/ParseCommandSequenceDiagrams.pptx
@@ -209,7 +209,7 @@
           <a:p>
             <a:fld id="{F5CC4B3F-88C1-4FFA-B1B6-F41C21DC6924}" type="datetimeFigureOut">
               <a:rPr lang="en-US" smtClean="0"/>
-              <a:t>4/5/2018</a:t>
+              <a:t>4/10/2018</a:t>
             </a:fld>
             <a:endParaRPr lang="en-US"/>
           </a:p>
@@ -655,7 +655,7 @@
           <a:p>
             <a:fld id="{78C97017-6FC3-485B-9764-EAC9E56C1D49}" type="datetimeFigureOut">
               <a:rPr lang="en-US" smtClean="0"/>
-              <a:t>4/5/2018</a:t>
+              <a:t>4/10/2018</a:t>
             </a:fld>
             <a:endParaRPr lang="en-US"/>
           </a:p>
@@ -823,7 +823,7 @@
           <a:p>
             <a:fld id="{78C97017-6FC3-485B-9764-EAC9E56C1D49}" type="datetimeFigureOut">
               <a:rPr lang="en-US" smtClean="0"/>
-              <a:t>4/5/2018</a:t>
+              <a:t>4/10/2018</a:t>
             </a:fld>
             <a:endParaRPr lang="en-US"/>
           </a:p>
@@ -1001,7 +1001,7 @@
           <a:p>
             <a:fld id="{78C97017-6FC3-485B-9764-EAC9E56C1D49}" type="datetimeFigureOut">
               <a:rPr lang="en-US" smtClean="0"/>
-              <a:t>4/5/2018</a:t>
+              <a:t>4/10/2018</a:t>
             </a:fld>
             <a:endParaRPr lang="en-US"/>
           </a:p>
@@ -1169,7 +1169,7 @@
           <a:p>
             <a:fld id="{78C97017-6FC3-485B-9764-EAC9E56C1D49}" type="datetimeFigureOut">
               <a:rPr lang="en-US" smtClean="0"/>
-              <a:t>4/5/2018</a:t>
+              <a:t>4/10/2018</a:t>
             </a:fld>
             <a:endParaRPr lang="en-US"/>
           </a:p>
@@ -1414,7 +1414,7 @@
           <a:p>
             <a:fld id="{78C97017-6FC3-485B-9764-EAC9E56C1D49}" type="datetimeFigureOut">
               <a:rPr lang="en-US" smtClean="0"/>
-              <a:t>4/5/2018</a:t>
+              <a:t>4/10/2018</a:t>
             </a:fld>
             <a:endParaRPr lang="en-US"/>
           </a:p>
@@ -1699,7 +1699,7 @@
           <a:p>
             <a:fld id="{78C97017-6FC3-485B-9764-EAC9E56C1D49}" type="datetimeFigureOut">
               <a:rPr lang="en-US" smtClean="0"/>
-              <a:t>4/5/2018</a:t>
+              <a:t>4/10/2018</a:t>
             </a:fld>
             <a:endParaRPr lang="en-US"/>
           </a:p>
@@ -2118,7 +2118,7 @@
           <a:p>
             <a:fld id="{78C97017-6FC3-485B-9764-EAC9E56C1D49}" type="datetimeFigureOut">
               <a:rPr lang="en-US" smtClean="0"/>
-              <a:t>4/5/2018</a:t>
+              <a:t>4/10/2018</a:t>
             </a:fld>
             <a:endParaRPr lang="en-US"/>
           </a:p>
@@ -2235,7 +2235,7 @@
           <a:p>
             <a:fld id="{78C97017-6FC3-485B-9764-EAC9E56C1D49}" type="datetimeFigureOut">
               <a:rPr lang="en-US" smtClean="0"/>
-              <a:t>4/5/2018</a:t>
+              <a:t>4/10/2018</a:t>
             </a:fld>
             <a:endParaRPr lang="en-US"/>
           </a:p>
@@ -2330,7 +2330,7 @@
           <a:p>
             <a:fld id="{78C97017-6FC3-485B-9764-EAC9E56C1D49}" type="datetimeFigureOut">
               <a:rPr lang="en-US" smtClean="0"/>
-              <a:t>4/5/2018</a:t>
+              <a:t>4/10/2018</a:t>
             </a:fld>
             <a:endParaRPr lang="en-US"/>
           </a:p>
@@ -2605,7 +2605,7 @@
           <a:p>
             <a:fld id="{78C97017-6FC3-485B-9764-EAC9E56C1D49}" type="datetimeFigureOut">
               <a:rPr lang="en-US" smtClean="0"/>
-              <a:t>4/5/2018</a:t>
+              <a:t>4/10/2018</a:t>
             </a:fld>
             <a:endParaRPr lang="en-US"/>
           </a:p>
@@ -2857,7 +2857,7 @@
           <a:p>
             <a:fld id="{78C97017-6FC3-485B-9764-EAC9E56C1D49}" type="datetimeFigureOut">
               <a:rPr lang="en-US" smtClean="0"/>
-              <a:t>4/5/2018</a:t>
+              <a:t>4/10/2018</a:t>
             </a:fld>
             <a:endParaRPr lang="en-US"/>
           </a:p>
@@ -3068,7 +3068,7 @@
           <a:p>
             <a:fld id="{78C97017-6FC3-485B-9764-EAC9E56C1D49}" type="datetimeFigureOut">
               <a:rPr lang="en-US" smtClean="0"/>
-              <a:t>4/5/2018</a:t>
+              <a:t>4/10/2018</a:t>
             </a:fld>
             <a:endParaRPr lang="en-US"/>
           </a:p>
@@ -6955,17 +6955,198 @@
               </a:ext>
             </a:extLst>
           </p:cNvPr>
-          <p:cNvSpPr/>
+          <p:cNvSpPr>
+            <a:spLocks/>
+          </p:cNvSpPr>
           <p:nvPr/>
         </p:nvSpPr>
         <p:spPr>
           <a:xfrm>
-            <a:off x="369507" y="3665052"/>
-            <a:ext cx="849693" cy="538959"/>
-          </a:xfrm>
-          <a:prstGeom prst="snip1Rect">
+            <a:off x="369507" y="3657600"/>
+            <a:ext cx="883191" cy="551175"/>
+          </a:xfrm>
+          <a:custGeom>
             <a:avLst/>
-          </a:prstGeom>
+            <a:gdLst>
+              <a:gd name="connsiteX0" fmla="*/ 0 w 849693"/>
+              <a:gd name="connsiteY0" fmla="*/ 0 h 538959"/>
+              <a:gd name="connsiteX1" fmla="*/ 580214 w 849693"/>
+              <a:gd name="connsiteY1" fmla="*/ 0 h 538959"/>
+              <a:gd name="connsiteX2" fmla="*/ 849693 w 849693"/>
+              <a:gd name="connsiteY2" fmla="*/ 269480 h 538959"/>
+              <a:gd name="connsiteX3" fmla="*/ 849693 w 849693"/>
+              <a:gd name="connsiteY3" fmla="*/ 538959 h 538959"/>
+              <a:gd name="connsiteX4" fmla="*/ 0 w 849693"/>
+              <a:gd name="connsiteY4" fmla="*/ 538959 h 538959"/>
+              <a:gd name="connsiteX5" fmla="*/ 0 w 849693"/>
+              <a:gd name="connsiteY5" fmla="*/ 0 h 538959"/>
+              <a:gd name="connsiteX0" fmla="*/ 0 w 849693"/>
+              <a:gd name="connsiteY0" fmla="*/ 0 h 538959"/>
+              <a:gd name="connsiteX1" fmla="*/ 842151 w 849693"/>
+              <a:gd name="connsiteY1" fmla="*/ 4762 h 538959"/>
+              <a:gd name="connsiteX2" fmla="*/ 849693 w 849693"/>
+              <a:gd name="connsiteY2" fmla="*/ 269480 h 538959"/>
+              <a:gd name="connsiteX3" fmla="*/ 849693 w 849693"/>
+              <a:gd name="connsiteY3" fmla="*/ 538959 h 538959"/>
+              <a:gd name="connsiteX4" fmla="*/ 0 w 849693"/>
+              <a:gd name="connsiteY4" fmla="*/ 538959 h 538959"/>
+              <a:gd name="connsiteX5" fmla="*/ 0 w 849693"/>
+              <a:gd name="connsiteY5" fmla="*/ 0 h 538959"/>
+              <a:gd name="connsiteX0" fmla="*/ 0 w 849693"/>
+              <a:gd name="connsiteY0" fmla="*/ 0 h 538959"/>
+              <a:gd name="connsiteX1" fmla="*/ 842151 w 849693"/>
+              <a:gd name="connsiteY1" fmla="*/ 4762 h 538959"/>
+              <a:gd name="connsiteX2" fmla="*/ 849693 w 849693"/>
+              <a:gd name="connsiteY2" fmla="*/ 269480 h 538959"/>
+              <a:gd name="connsiteX3" fmla="*/ 611568 w 849693"/>
+              <a:gd name="connsiteY3" fmla="*/ 505622 h 538959"/>
+              <a:gd name="connsiteX4" fmla="*/ 0 w 849693"/>
+              <a:gd name="connsiteY4" fmla="*/ 538959 h 538959"/>
+              <a:gd name="connsiteX5" fmla="*/ 0 w 849693"/>
+              <a:gd name="connsiteY5" fmla="*/ 0 h 538959"/>
+              <a:gd name="connsiteX0" fmla="*/ 0 w 863981"/>
+              <a:gd name="connsiteY0" fmla="*/ 0 h 538959"/>
+              <a:gd name="connsiteX1" fmla="*/ 842151 w 863981"/>
+              <a:gd name="connsiteY1" fmla="*/ 4762 h 538959"/>
+              <a:gd name="connsiteX2" fmla="*/ 863981 w 863981"/>
+              <a:gd name="connsiteY2" fmla="*/ 512367 h 538959"/>
+              <a:gd name="connsiteX3" fmla="*/ 611568 w 863981"/>
+              <a:gd name="connsiteY3" fmla="*/ 505622 h 538959"/>
+              <a:gd name="connsiteX4" fmla="*/ 0 w 863981"/>
+              <a:gd name="connsiteY4" fmla="*/ 538959 h 538959"/>
+              <a:gd name="connsiteX5" fmla="*/ 0 w 863981"/>
+              <a:gd name="connsiteY5" fmla="*/ 0 h 538959"/>
+              <a:gd name="connsiteX0" fmla="*/ 0 w 842151"/>
+              <a:gd name="connsiteY0" fmla="*/ 0 h 538959"/>
+              <a:gd name="connsiteX1" fmla="*/ 842151 w 842151"/>
+              <a:gd name="connsiteY1" fmla="*/ 4762 h 538959"/>
+              <a:gd name="connsiteX2" fmla="*/ 763969 w 842151"/>
+              <a:gd name="connsiteY2" fmla="*/ 402830 h 538959"/>
+              <a:gd name="connsiteX3" fmla="*/ 611568 w 842151"/>
+              <a:gd name="connsiteY3" fmla="*/ 505622 h 538959"/>
+              <a:gd name="connsiteX4" fmla="*/ 0 w 842151"/>
+              <a:gd name="connsiteY4" fmla="*/ 538959 h 538959"/>
+              <a:gd name="connsiteX5" fmla="*/ 0 w 842151"/>
+              <a:gd name="connsiteY5" fmla="*/ 0 h 538959"/>
+              <a:gd name="connsiteX0" fmla="*/ 0 w 842151"/>
+              <a:gd name="connsiteY0" fmla="*/ 0 h 538959"/>
+              <a:gd name="connsiteX1" fmla="*/ 842151 w 842151"/>
+              <a:gd name="connsiteY1" fmla="*/ 4762 h 538959"/>
+              <a:gd name="connsiteX2" fmla="*/ 830644 w 842151"/>
+              <a:gd name="connsiteY2" fmla="*/ 298055 h 538959"/>
+              <a:gd name="connsiteX3" fmla="*/ 611568 w 842151"/>
+              <a:gd name="connsiteY3" fmla="*/ 505622 h 538959"/>
+              <a:gd name="connsiteX4" fmla="*/ 0 w 842151"/>
+              <a:gd name="connsiteY4" fmla="*/ 538959 h 538959"/>
+              <a:gd name="connsiteX5" fmla="*/ 0 w 842151"/>
+              <a:gd name="connsiteY5" fmla="*/ 0 h 538959"/>
+              <a:gd name="connsiteX0" fmla="*/ 0 w 842151"/>
+              <a:gd name="connsiteY0" fmla="*/ 0 h 538959"/>
+              <a:gd name="connsiteX1" fmla="*/ 842151 w 842151"/>
+              <a:gd name="connsiteY1" fmla="*/ 4762 h 538959"/>
+              <a:gd name="connsiteX2" fmla="*/ 835406 w 842151"/>
+              <a:gd name="connsiteY2" fmla="*/ 350443 h 538959"/>
+              <a:gd name="connsiteX3" fmla="*/ 611568 w 842151"/>
+              <a:gd name="connsiteY3" fmla="*/ 505622 h 538959"/>
+              <a:gd name="connsiteX4" fmla="*/ 0 w 842151"/>
+              <a:gd name="connsiteY4" fmla="*/ 538959 h 538959"/>
+              <a:gd name="connsiteX5" fmla="*/ 0 w 842151"/>
+              <a:gd name="connsiteY5" fmla="*/ 0 h 538959"/>
+              <a:gd name="connsiteX0" fmla="*/ 0 w 849694"/>
+              <a:gd name="connsiteY0" fmla="*/ 0 h 538959"/>
+              <a:gd name="connsiteX1" fmla="*/ 842151 w 849694"/>
+              <a:gd name="connsiteY1" fmla="*/ 4762 h 538959"/>
+              <a:gd name="connsiteX2" fmla="*/ 849694 w 849694"/>
+              <a:gd name="connsiteY2" fmla="*/ 350443 h 538959"/>
+              <a:gd name="connsiteX3" fmla="*/ 611568 w 849694"/>
+              <a:gd name="connsiteY3" fmla="*/ 505622 h 538959"/>
+              <a:gd name="connsiteX4" fmla="*/ 0 w 849694"/>
+              <a:gd name="connsiteY4" fmla="*/ 538959 h 538959"/>
+              <a:gd name="connsiteX5" fmla="*/ 0 w 849694"/>
+              <a:gd name="connsiteY5" fmla="*/ 0 h 538959"/>
+              <a:gd name="connsiteX0" fmla="*/ 0 w 849694"/>
+              <a:gd name="connsiteY0" fmla="*/ 0 h 543722"/>
+              <a:gd name="connsiteX1" fmla="*/ 842151 w 849694"/>
+              <a:gd name="connsiteY1" fmla="*/ 4762 h 543722"/>
+              <a:gd name="connsiteX2" fmla="*/ 849694 w 849694"/>
+              <a:gd name="connsiteY2" fmla="*/ 350443 h 543722"/>
+              <a:gd name="connsiteX3" fmla="*/ 768730 w 849694"/>
+              <a:gd name="connsiteY3" fmla="*/ 543722 h 543722"/>
+              <a:gd name="connsiteX4" fmla="*/ 0 w 849694"/>
+              <a:gd name="connsiteY4" fmla="*/ 538959 h 543722"/>
+              <a:gd name="connsiteX5" fmla="*/ 0 w 849694"/>
+              <a:gd name="connsiteY5" fmla="*/ 0 h 543722"/>
+              <a:gd name="connsiteX0" fmla="*/ 0 w 849694"/>
+              <a:gd name="connsiteY0" fmla="*/ 0 h 543722"/>
+              <a:gd name="connsiteX1" fmla="*/ 842151 w 849694"/>
+              <a:gd name="connsiteY1" fmla="*/ 4762 h 543722"/>
+              <a:gd name="connsiteX2" fmla="*/ 849694 w 849694"/>
+              <a:gd name="connsiteY2" fmla="*/ 350443 h 543722"/>
+              <a:gd name="connsiteX3" fmla="*/ 692530 w 849694"/>
+              <a:gd name="connsiteY3" fmla="*/ 543722 h 543722"/>
+              <a:gd name="connsiteX4" fmla="*/ 0 w 849694"/>
+              <a:gd name="connsiteY4" fmla="*/ 538959 h 543722"/>
+              <a:gd name="connsiteX5" fmla="*/ 0 w 849694"/>
+              <a:gd name="connsiteY5" fmla="*/ 0 h 543722"/>
+              <a:gd name="connsiteX0" fmla="*/ 0 w 844932"/>
+              <a:gd name="connsiteY0" fmla="*/ 0 h 543722"/>
+              <a:gd name="connsiteX1" fmla="*/ 842151 w 844932"/>
+              <a:gd name="connsiteY1" fmla="*/ 4762 h 543722"/>
+              <a:gd name="connsiteX2" fmla="*/ 844932 w 844932"/>
+              <a:gd name="connsiteY2" fmla="*/ 412356 h 543722"/>
+              <a:gd name="connsiteX3" fmla="*/ 692530 w 844932"/>
+              <a:gd name="connsiteY3" fmla="*/ 543722 h 543722"/>
+              <a:gd name="connsiteX4" fmla="*/ 0 w 844932"/>
+              <a:gd name="connsiteY4" fmla="*/ 538959 h 543722"/>
+              <a:gd name="connsiteX5" fmla="*/ 0 w 844932"/>
+              <a:gd name="connsiteY5" fmla="*/ 0 h 543722"/>
+            </a:gdLst>
+            <a:ahLst/>
+            <a:cxnLst>
+              <a:cxn ang="0">
+                <a:pos x="connsiteX0" y="connsiteY0"/>
+              </a:cxn>
+              <a:cxn ang="0">
+                <a:pos x="connsiteX1" y="connsiteY1"/>
+              </a:cxn>
+              <a:cxn ang="0">
+                <a:pos x="connsiteX2" y="connsiteY2"/>
+              </a:cxn>
+              <a:cxn ang="0">
+                <a:pos x="connsiteX3" y="connsiteY3"/>
+              </a:cxn>
+              <a:cxn ang="0">
+                <a:pos x="connsiteX4" y="connsiteY4"/>
+              </a:cxn>
+              <a:cxn ang="0">
+                <a:pos x="connsiteX5" y="connsiteY5"/>
+              </a:cxn>
+            </a:cxnLst>
+            <a:rect l="l" t="t" r="r" b="b"/>
+            <a:pathLst>
+              <a:path w="844932" h="543722">
+                <a:moveTo>
+                  <a:pt x="0" y="0"/>
+                </a:moveTo>
+                <a:lnTo>
+                  <a:pt x="842151" y="4762"/>
+                </a:lnTo>
+                <a:lnTo>
+                  <a:pt x="844932" y="412356"/>
+                </a:lnTo>
+                <a:lnTo>
+                  <a:pt x="692530" y="543722"/>
+                </a:lnTo>
+                <a:lnTo>
+                  <a:pt x="0" y="538959"/>
+                </a:lnTo>
+                <a:lnTo>
+                  <a:pt x="0" y="0"/>
+                </a:lnTo>
+                <a:close/>
+              </a:path>
+            </a:pathLst>
+          </a:custGeom>
           <a:ln w="12700"/>
         </p:spPr>
         <p:style>
